--- a/Images/Figures_PPT/RhodophytaHeatPlot.pptx
+++ b/Images/Figures_PPT/RhodophytaHeatPlot.pptx
@@ -4146,7 +4146,7 @@
             </a:custGeom>
             <a:ln w="10840" cap="flat">
               <a:solidFill>
-                <a:srgbClr val="440154">
+                <a:srgbClr val="D71D36">
                   <a:alpha val="100000"/>
                 </a:srgbClr>
               </a:solidFill>
@@ -4186,7 +4186,7 @@
             </a:custGeom>
             <a:ln w="10840" cap="flat">
               <a:solidFill>
-                <a:srgbClr val="451D61">
+                <a:srgbClr val="CD3A4F">
                   <a:alpha val="100000"/>
                 </a:srgbClr>
               </a:solidFill>
@@ -4226,7 +4226,7 @@
             </a:custGeom>
             <a:ln w="10840" cap="flat">
               <a:solidFill>
-                <a:srgbClr val="452E6C">
+                <a:srgbClr val="C24B65">
                   <a:alpha val="100000"/>
                 </a:srgbClr>
               </a:solidFill>
@@ -4266,7 +4266,7 @@
             </a:custGeom>
             <a:ln w="10840" cap="flat">
               <a:solidFill>
-                <a:srgbClr val="45145C">
+                <a:srgbClr val="D13146">
                   <a:alpha val="100000"/>
                 </a:srgbClr>
               </a:solidFill>
@@ -4306,7 +4306,7 @@
             </a:custGeom>
             <a:ln w="10840" cap="flat">
               <a:solidFill>
-                <a:srgbClr val="3C5087">
+                <a:srgbClr val="9F6798">
                   <a:alpha val="100000"/>
                 </a:srgbClr>
               </a:solidFill>
@@ -4346,7 +4346,7 @@
             </a:custGeom>
             <a:ln w="10840" cap="flat">
               <a:solidFill>
-                <a:srgbClr val="30728E">
+                <a:srgbClr val="6482C2">
                   <a:alpha val="100000"/>
                 </a:srgbClr>
               </a:solidFill>
@@ -4386,7 +4386,7 @@
             </a:custGeom>
             <a:ln w="10840" cap="flat">
               <a:solidFill>
-                <a:srgbClr val="2D9787">
+                <a:srgbClr val="A98059">
                   <a:alpha val="100000"/>
                 </a:srgbClr>
               </a:solidFill>
@@ -4426,7 +4426,7 @@
             </a:custGeom>
             <a:ln w="10840" cap="flat">
               <a:solidFill>
-                <a:srgbClr val="29AF7F">
+                <a:srgbClr val="B88100">
                   <a:alpha val="100000"/>
                 </a:srgbClr>
               </a:solidFill>
@@ -4466,7 +4466,7 @@
             </a:custGeom>
             <a:ln w="10840" cap="flat">
               <a:solidFill>
-                <a:srgbClr val="2B878B">
+                <a:srgbClr val="978082">
                   <a:alpha val="100000"/>
                 </a:srgbClr>
               </a:solidFill>
@@ -4506,7 +4506,7 @@
             </a:custGeom>
             <a:ln w="10840" cap="flat">
               <a:solidFill>
-                <a:srgbClr val="3F4A82">
+                <a:srgbClr val="A7628E">
                   <a:alpha val="100000"/>
                 </a:srgbClr>
               </a:solidFill>
@@ -4546,7 +4546,7 @@
             </a:custGeom>
             <a:ln w="10840" cap="flat">
               <a:solidFill>
-                <a:srgbClr val="37608D">
+                <a:srgbClr val="7278C0">
                   <a:alpha val="100000"/>
                 </a:srgbClr>
               </a:solidFill>
@@ -4586,7 +4586,7 @@
             </a:custGeom>
             <a:ln w="10840" cap="flat">
               <a:solidFill>
-                <a:srgbClr val="451A5F">
+                <a:srgbClr val="CE374C">
                   <a:alpha val="100000"/>
                 </a:srgbClr>
               </a:solidFill>
@@ -4626,7 +4626,7 @@
             </a:custGeom>
             <a:ln w="10840" cap="flat">
               <a:solidFill>
-                <a:srgbClr val="2E758E">
+                <a:srgbClr val="7181B6">
                   <a:alpha val="100000"/>
                 </a:srgbClr>
               </a:solidFill>
@@ -4666,7 +4666,7 @@
             </a:custGeom>
             <a:ln w="10840" cap="flat">
               <a:solidFill>
-                <a:srgbClr val="336C8D">
+                <a:srgbClr val="4583D4">
                   <a:alpha val="100000"/>
                 </a:srgbClr>
               </a:solidFill>
@@ -4714,7 +4714,7 @@
               <a:r>
                 <a:rPr sz="569">
                   <a:solidFill>
-                    <a:srgbClr val="440154">
+                    <a:srgbClr val="D71D36">
                       <a:alpha val="100000"/>
                     </a:srgbClr>
                   </a:solidFill>
@@ -4760,7 +4760,7 @@
               <a:r>
                 <a:rPr sz="569">
                   <a:solidFill>
-                    <a:srgbClr val="451D61">
+                    <a:srgbClr val="CD3A4F">
                       <a:alpha val="100000"/>
                     </a:srgbClr>
                   </a:solidFill>
@@ -4806,7 +4806,7 @@
               <a:r>
                 <a:rPr sz="569">
                   <a:solidFill>
-                    <a:srgbClr val="452E6C">
+                    <a:srgbClr val="C24B65">
                       <a:alpha val="100000"/>
                     </a:srgbClr>
                   </a:solidFill>
@@ -4852,7 +4852,7 @@
               <a:r>
                 <a:rPr sz="569">
                   <a:solidFill>
-                    <a:srgbClr val="45145C">
+                    <a:srgbClr val="D13146">
                       <a:alpha val="100000"/>
                     </a:srgbClr>
                   </a:solidFill>
@@ -4898,7 +4898,7 @@
               <a:r>
                 <a:rPr sz="569">
                   <a:solidFill>
-                    <a:srgbClr val="3C5087">
+                    <a:srgbClr val="9F6798">
                       <a:alpha val="100000"/>
                     </a:srgbClr>
                   </a:solidFill>
@@ -4944,7 +4944,7 @@
               <a:r>
                 <a:rPr sz="569">
                   <a:solidFill>
-                    <a:srgbClr val="30728E">
+                    <a:srgbClr val="6482C2">
                       <a:alpha val="100000"/>
                     </a:srgbClr>
                   </a:solidFill>
@@ -4990,7 +4990,7 @@
               <a:r>
                 <a:rPr sz="569">
                   <a:solidFill>
-                    <a:srgbClr val="2D9787">
+                    <a:srgbClr val="A98059">
                       <a:alpha val="100000"/>
                     </a:srgbClr>
                   </a:solidFill>
@@ -5036,7 +5036,7 @@
               <a:r>
                 <a:rPr sz="569">
                   <a:solidFill>
-                    <a:srgbClr val="29AF7F">
+                    <a:srgbClr val="B88100">
                       <a:alpha val="100000"/>
                     </a:srgbClr>
                   </a:solidFill>
@@ -5082,7 +5082,7 @@
               <a:r>
                 <a:rPr sz="569">
                   <a:solidFill>
-                    <a:srgbClr val="2B878B">
+                    <a:srgbClr val="978082">
                       <a:alpha val="100000"/>
                     </a:srgbClr>
                   </a:solidFill>
@@ -5128,7 +5128,7 @@
               <a:r>
                 <a:rPr sz="569">
                   <a:solidFill>
-                    <a:srgbClr val="3F4A82">
+                    <a:srgbClr val="A7628E">
                       <a:alpha val="100000"/>
                     </a:srgbClr>
                   </a:solidFill>
@@ -5174,7 +5174,7 @@
               <a:r>
                 <a:rPr sz="569">
                   <a:solidFill>
-                    <a:srgbClr val="37608D">
+                    <a:srgbClr val="7278C0">
                       <a:alpha val="100000"/>
                     </a:srgbClr>
                   </a:solidFill>
@@ -5220,7 +5220,7 @@
               <a:r>
                 <a:rPr sz="569">
                   <a:solidFill>
-                    <a:srgbClr val="451A5F">
+                    <a:srgbClr val="CE374C">
                       <a:alpha val="100000"/>
                     </a:srgbClr>
                   </a:solidFill>
@@ -5266,7 +5266,7 @@
               <a:r>
                 <a:rPr sz="569">
                   <a:solidFill>
-                    <a:srgbClr val="2E758E">
+                    <a:srgbClr val="7181B6">
                       <a:alpha val="100000"/>
                     </a:srgbClr>
                   </a:solidFill>
@@ -5312,7 +5312,7 @@
               <a:r>
                 <a:rPr sz="569">
                   <a:solidFill>
-                    <a:srgbClr val="336C8D">
+                    <a:srgbClr val="4583D4">
                       <a:alpha val="100000"/>
                     </a:srgbClr>
                   </a:solidFill>
